--- a/Class Project/(2) Writing Queries.pptx
+++ b/Class Project/(2) Writing Queries.pptx
@@ -26,14 +26,14 @@
       <p:boldItalic r:id="rId12"/>
     </p:embeddedFont>
     <p:embeddedFont>
-      <p:font typeface="Lato" panose="020B0604020202020204" charset="0"/>
+      <p:font typeface="Lato" panose="020F0502020204030203" pitchFamily="34" charset="0"/>
       <p:regular r:id="rId13"/>
       <p:bold r:id="rId14"/>
       <p:italic r:id="rId15"/>
       <p:boldItalic r:id="rId16"/>
     </p:embeddedFont>
     <p:embeddedFont>
-      <p:font typeface="Raleway" panose="020B0604020202020204" charset="0"/>
+      <p:font typeface="Raleway" pitchFamily="2" charset="0"/>
       <p:regular r:id="rId17"/>
       <p:bold r:id="rId18"/>
       <p:italic r:id="rId19"/>
@@ -376,6 +376,30 @@
           <pc:docMk/>
           <pc:sldMk cId="0" sldId="271"/>
         </pc:sldMkLst>
+      </pc:sldChg>
+    </pc:docChg>
+  </pc:docChgLst>
+  <pc:docChgLst>
+    <pc:chgData name="Jeremy Bergmann" userId="2355ee0d-2b6e-4bfe-a235-383daf8df8e3" providerId="ADAL" clId="{B3FB0FBB-541D-4C9B-8803-F08CB30564CB}"/>
+    <pc:docChg chg="undo custSel modSld">
+      <pc:chgData name="Jeremy Bergmann" userId="2355ee0d-2b6e-4bfe-a235-383daf8df8e3" providerId="ADAL" clId="{B3FB0FBB-541D-4C9B-8803-F08CB30564CB}" dt="2021-10-20T18:48:51.784" v="41" actId="20577"/>
+      <pc:docMkLst>
+        <pc:docMk/>
+      </pc:docMkLst>
+      <pc:sldChg chg="modSp mod">
+        <pc:chgData name="Jeremy Bergmann" userId="2355ee0d-2b6e-4bfe-a235-383daf8df8e3" providerId="ADAL" clId="{B3FB0FBB-541D-4C9B-8803-F08CB30564CB}" dt="2021-10-20T18:48:51.784" v="41" actId="20577"/>
+        <pc:sldMkLst>
+          <pc:docMk/>
+          <pc:sldMk cId="0" sldId="258"/>
+        </pc:sldMkLst>
+        <pc:spChg chg="mod">
+          <ac:chgData name="Jeremy Bergmann" userId="2355ee0d-2b6e-4bfe-a235-383daf8df8e3" providerId="ADAL" clId="{B3FB0FBB-541D-4C9B-8803-F08CB30564CB}" dt="2021-10-20T18:48:51.784" v="41" actId="20577"/>
+          <ac:spMkLst>
+            <pc:docMk/>
+            <pc:sldMk cId="0" sldId="258"/>
+            <ac:spMk id="192" creationId="{00000000-0000-0000-0000-000000000000}"/>
+          </ac:spMkLst>
+        </pc:spChg>
       </pc:sldChg>
     </pc:docChg>
   </pc:docChgLst>
@@ -21455,69 +21479,60 @@
                 <a:spcPts val="0"/>
               </a:spcAft>
               <a:buClr>
-                <a:srgbClr val="000000"/>
+                <a:srgbClr val="6AA84F"/>
               </a:buClr>
               <a:buSzPts val="2400"/>
               <a:buFont typeface="Lustria"/>
               <a:buAutoNum type="arabicPeriod"/>
             </a:pPr>
             <a:r>
-              <a:rPr lang="en-US" sz="2400">
-                <a:solidFill>
-                  <a:srgbClr val="000000"/>
+              <a:rPr lang="en-US" sz="2400" dirty="0">
+                <a:solidFill>
+                  <a:srgbClr val="6AA84F"/>
                 </a:solidFill>
               </a:rPr>
-              <a:t>Import data into MySQL database (Class 1)</a:t>
+              <a:t>Query Data for Data Understanding/Relevant Information (Class 2) </a:t>
             </a:r>
-            <a:endParaRPr sz="2400">
-              <a:solidFill>
-                <a:srgbClr val="000000"/>
-              </a:solidFill>
-            </a:endParaRPr>
           </a:p>
           <a:p>
-            <a:pPr marL="494098" lvl="0" indent="-494098" algn="l" rtl="0">
-              <a:lnSpc>
-                <a:spcPct val="115000"/>
-              </a:lnSpc>
-              <a:spcBef>
-                <a:spcPts val="0"/>
-              </a:spcBef>
-              <a:spcAft>
-                <a:spcPts val="0"/>
-              </a:spcAft>
-              <a:buClr>
-                <a:srgbClr val="6AA84F"/>
+            <a:pPr marL="494098" indent="-494098">
+              <a:spcBef>
+                <a:spcPts val="1000"/>
+              </a:spcBef>
+              <a:buClr>
+                <a:srgbClr val="000000"/>
               </a:buClr>
               <a:buSzPts val="2400"/>
               <a:buFont typeface="Lustria"/>
               <a:buAutoNum type="arabicPeriod"/>
             </a:pPr>
             <a:r>
+              <a:rPr lang="en-US" sz="2400" dirty="0">
+                <a:solidFill>
+                  <a:schemeClr val="bg2"/>
+                </a:solidFill>
+              </a:rPr>
+              <a:t>Import data into MySQL database (</a:t>
+            </a:r>
+            <a:r>
               <a:rPr lang="en-US" sz="2400">
                 <a:solidFill>
-                  <a:srgbClr val="6AA84F"/>
+                  <a:schemeClr val="bg2"/>
                 </a:solidFill>
               </a:rPr>
-              <a:t>Query Data for Data Understanding/Relevant Information (Class 2) </a:t>
+              <a:t>Class 3) </a:t>
             </a:r>
-            <a:endParaRPr sz="2400">
+            <a:endParaRPr lang="en-US" sz="2400" dirty="0">
               <a:solidFill>
-                <a:srgbClr val="6AA84F"/>
+                <a:schemeClr val="bg2"/>
               </a:solidFill>
             </a:endParaRPr>
           </a:p>
           <a:p>
-            <a:pPr marL="494098" lvl="0" indent="-494098" algn="l" rtl="0">
-              <a:lnSpc>
-                <a:spcPct val="115000"/>
-              </a:lnSpc>
+            <a:pPr marL="494098" indent="-494098">
               <a:spcBef>
                 <a:spcPts val="1000"/>
               </a:spcBef>
-              <a:spcAft>
-                <a:spcPts val="0"/>
-              </a:spcAft>
               <a:buClr>
                 <a:srgbClr val="000000"/>
               </a:buClr>
@@ -21526,18 +21541,13 @@
               <a:buAutoNum type="arabicPeriod"/>
             </a:pPr>
             <a:r>
-              <a:rPr lang="en-US" sz="2400">
+              <a:rPr lang="en-US" sz="2400" dirty="0">
                 <a:solidFill>
                   <a:srgbClr val="000000"/>
                 </a:solidFill>
               </a:rPr>
               <a:t>Storing/Joining data for analysis (Class 3-4)</a:t>
             </a:r>
-            <a:endParaRPr sz="2400">
-              <a:solidFill>
-                <a:srgbClr val="000000"/>
-              </a:solidFill>
-            </a:endParaRPr>
           </a:p>
           <a:p>
             <a:pPr marL="494098" lvl="0" indent="-494098" algn="l" rtl="0">
@@ -21557,18 +21567,13 @@
               <a:buAutoNum type="arabicPeriod"/>
             </a:pPr>
             <a:r>
-              <a:rPr lang="en-US" sz="2400">
+              <a:rPr lang="en-US" sz="2400" dirty="0">
                 <a:solidFill>
                   <a:srgbClr val="000000"/>
                 </a:solidFill>
               </a:rPr>
               <a:t>Cleaning Data (Class 5)</a:t>
             </a:r>
-            <a:endParaRPr sz="2400">
-              <a:solidFill>
-                <a:srgbClr val="000000"/>
-              </a:solidFill>
-            </a:endParaRPr>
           </a:p>
           <a:p>
             <a:pPr marL="494098" lvl="0" indent="-494098" algn="l" rtl="0">
@@ -21589,18 +21594,13 @@
               <a:buAutoNum type="arabicPeriod"/>
             </a:pPr>
             <a:r>
-              <a:rPr lang="en-US" sz="2400">
+              <a:rPr lang="en-US" sz="2400" dirty="0">
                 <a:solidFill>
                   <a:srgbClr val="000000"/>
                 </a:solidFill>
               </a:rPr>
               <a:t>Normalize Data &amp; Create Data Model (Class 6)</a:t>
             </a:r>
-            <a:endParaRPr sz="2400">
-              <a:solidFill>
-                <a:srgbClr val="000000"/>
-              </a:solidFill>
-            </a:endParaRPr>
           </a:p>
           <a:p>
             <a:pPr marL="494098" lvl="0" indent="-494098" algn="l" rtl="0">
@@ -21621,18 +21621,13 @@
               <a:buAutoNum type="arabicPeriod"/>
             </a:pPr>
             <a:r>
-              <a:rPr lang="en-US" sz="2400">
+              <a:rPr lang="en-US" sz="2400" dirty="0">
                 <a:solidFill>
                   <a:srgbClr val="000000"/>
                 </a:solidFill>
               </a:rPr>
               <a:t>Analyze Data Quality &amp; Create Data Dictionary (Class 7) </a:t>
             </a:r>
-            <a:endParaRPr sz="2400">
-              <a:solidFill>
-                <a:srgbClr val="000000"/>
-              </a:solidFill>
-            </a:endParaRPr>
           </a:p>
           <a:p>
             <a:pPr marL="494098" lvl="0" indent="-494098" algn="l" rtl="0">
@@ -21653,18 +21648,29 @@
               <a:buAutoNum type="arabicPeriod"/>
             </a:pPr>
             <a:r>
-              <a:rPr lang="en-US" sz="2400">
+              <a:rPr lang="en-US" sz="2400" dirty="0">
                 <a:solidFill>
                   <a:srgbClr val="000000"/>
                 </a:solidFill>
               </a:rPr>
-              <a:t>Connect Data to PowerBI Desktop/Cloud, Answer Business Questions Automate data workflow using ETL (Python - Optional) (Class 8)</a:t>
+              <a:t>Connect Data to </a:t>
             </a:r>
-            <a:endParaRPr sz="2400">
-              <a:solidFill>
-                <a:srgbClr val="000000"/>
-              </a:solidFill>
-            </a:endParaRPr>
+            <a:r>
+              <a:rPr lang="en-US" sz="2400" dirty="0" err="1">
+                <a:solidFill>
+                  <a:srgbClr val="000000"/>
+                </a:solidFill>
+              </a:rPr>
+              <a:t>PowerBI</a:t>
+            </a:r>
+            <a:r>
+              <a:rPr lang="en-US" sz="2400" dirty="0">
+                <a:solidFill>
+                  <a:srgbClr val="000000"/>
+                </a:solidFill>
+              </a:rPr>
+              <a:t> Desktop/Cloud, Answer Business Questions Automate data workflow using ETL (Python - Optional) (Class 8)</a:t>
+            </a:r>
           </a:p>
         </p:txBody>
       </p:sp>
